--- a/week 2/1 - Monday/Diversity gradients (computer lab).pptx
+++ b/week 2/1 - Monday/Diversity gradients (computer lab).pptx
@@ -15,6 +15,7 @@
     <p:sldId id="258" r:id="rId9"/>
     <p:sldId id="259" r:id="rId10"/>
     <p:sldId id="264" r:id="rId11"/>
+    <p:sldId id="268" r:id="rId12"/>
   </p:sldIdLst>
   <p:sldSz cx="12192000" cy="6858000"/>
   <p:notesSz cx="6858000" cy="9144000"/>
@@ -3193,6 +3194,126 @@
 </p:sld>
 </file>
 
+<file path=ppt/slides/slide11.xml><?xml version="1.0" encoding="utf-8"?>
+<p:sld xmlns:a="http://schemas.openxmlformats.org/drawingml/2006/main" xmlns:r="http://schemas.openxmlformats.org/officeDocument/2006/relationships" xmlns:p="http://schemas.openxmlformats.org/presentationml/2006/main">
+  <p:cSld>
+    <p:spTree>
+      <p:nvGrpSpPr>
+        <p:cNvPr id="1" name=""/>
+        <p:cNvGrpSpPr/>
+        <p:nvPr/>
+      </p:nvGrpSpPr>
+      <p:grpSpPr>
+        <a:xfrm>
+          <a:off x="0" y="0"/>
+          <a:ext cx="0" cy="0"/>
+          <a:chOff x="0" y="0"/>
+          <a:chExt cx="0" cy="0"/>
+        </a:xfrm>
+      </p:grpSpPr>
+      <p:pic>
+        <p:nvPicPr>
+          <p:cNvPr id="7" name="Grafik 6"/>
+          <p:cNvPicPr>
+            <a:picLocks noChangeAspect="1"/>
+          </p:cNvPicPr>
+          <p:nvPr/>
+        </p:nvPicPr>
+        <p:blipFill>
+          <a:blip r:embed="rId2" cstate="print">
+            <a:extLst>
+              <a:ext uri="{28A0092B-C50C-407E-A947-70E740481C1C}">
+                <a14:useLocalDpi xmlns:a14="http://schemas.microsoft.com/office/drawing/2010/main" val="0"/>
+              </a:ext>
+            </a:extLst>
+          </a:blip>
+          <a:stretch>
+            <a:fillRect/>
+          </a:stretch>
+        </p:blipFill>
+        <p:spPr>
+          <a:xfrm>
+            <a:off x="1354347" y="753733"/>
+            <a:ext cx="10701067" cy="5350534"/>
+          </a:xfrm>
+          <a:prstGeom prst="rect">
+            <a:avLst/>
+          </a:prstGeom>
+        </p:spPr>
+      </p:pic>
+      <p:sp>
+        <p:nvSpPr>
+          <p:cNvPr id="8" name="Textfeld 7"/>
+          <p:cNvSpPr txBox="1"/>
+          <p:nvPr/>
+        </p:nvSpPr>
+        <p:spPr>
+          <a:xfrm>
+            <a:off x="353683" y="1751162"/>
+            <a:ext cx="680314" cy="369332"/>
+          </a:xfrm>
+          <a:prstGeom prst="rect">
+            <a:avLst/>
+          </a:prstGeom>
+          <a:noFill/>
+        </p:spPr>
+        <p:txBody>
+          <a:bodyPr wrap="none" rtlCol="0">
+            <a:spAutoFit/>
+          </a:bodyPr>
+          <a:lstStyle/>
+          <a:p>
+            <a:r>
+              <a:rPr lang="en-US" dirty="0" smtClean="0"/>
+              <a:t>Trees</a:t>
+            </a:r>
+            <a:endParaRPr lang="en-US" dirty="0"/>
+          </a:p>
+        </p:txBody>
+      </p:sp>
+      <p:sp>
+        <p:nvSpPr>
+          <p:cNvPr id="10" name="Textfeld 9"/>
+          <p:cNvSpPr txBox="1"/>
+          <p:nvPr/>
+        </p:nvSpPr>
+        <p:spPr>
+          <a:xfrm>
+            <a:off x="416360" y="4362090"/>
+            <a:ext cx="554960" cy="369332"/>
+          </a:xfrm>
+          <a:prstGeom prst="rect">
+            <a:avLst/>
+          </a:prstGeom>
+          <a:noFill/>
+        </p:spPr>
+        <p:txBody>
+          <a:bodyPr wrap="none" rtlCol="0">
+            <a:spAutoFit/>
+          </a:bodyPr>
+          <a:lstStyle/>
+          <a:p>
+            <a:r>
+              <a:rPr lang="en-US" dirty="0" smtClean="0"/>
+              <a:t>Fish</a:t>
+            </a:r>
+            <a:endParaRPr lang="en-US" dirty="0"/>
+          </a:p>
+        </p:txBody>
+      </p:sp>
+    </p:spTree>
+    <p:extLst>
+      <p:ext uri="{BB962C8B-B14F-4D97-AF65-F5344CB8AC3E}">
+        <p14:creationId xmlns:p14="http://schemas.microsoft.com/office/powerpoint/2010/main" val="2133547892"/>
+      </p:ext>
+    </p:extLst>
+  </p:cSld>
+  <p:clrMapOvr>
+    <a:masterClrMapping/>
+  </p:clrMapOvr>
+</p:sld>
+</file>
+
 <file path=ppt/slides/slide2.xml><?xml version="1.0" encoding="utf-8"?>
 <p:sld xmlns:a="http://schemas.openxmlformats.org/drawingml/2006/main" xmlns:r="http://schemas.openxmlformats.org/officeDocument/2006/relationships" xmlns:p="http://schemas.openxmlformats.org/presentationml/2006/main">
   <p:cSld>
@@ -3419,20 +3540,14 @@
             <a:pPr lvl="1"/>
             <a:r>
               <a:rPr lang="en-US" dirty="0" smtClean="0"/>
-              <a:t> time, speciation rate, extinction rate, dispersal, climatic stability</a:t>
-            </a:r>
-            <a:r>
-              <a:rPr lang="en-US" dirty="0" smtClean="0"/>
-              <a:t>, niche conservatism, …</a:t>
-            </a:r>
-            <a:endParaRPr lang="en-US" dirty="0" smtClean="0"/>
+              <a:t> time, speciation rate, extinction rate, dispersal, climatic stability, niche conservatism, …</a:t>
+            </a:r>
           </a:p>
           <a:p>
             <a:r>
               <a:rPr lang="en-US" dirty="0" smtClean="0"/>
               <a:t>Gradients in total community abundance (energy gradients) </a:t>
             </a:r>
-            <a:endParaRPr lang="en-US" dirty="0" smtClean="0"/>
           </a:p>
           <a:p>
             <a:pPr lvl="1"/>
@@ -3440,13 +3555,7 @@
               <a:rPr lang="en-US" dirty="0" smtClean="0">
                 <a:sym typeface="Wingdings" panose="05000000000000000000" pitchFamily="2" charset="2"/>
               </a:rPr>
-              <a:t>more </a:t>
-            </a:r>
-            <a:r>
-              <a:rPr lang="en-US" dirty="0" smtClean="0">
-                <a:sym typeface="Wingdings" panose="05000000000000000000" pitchFamily="2" charset="2"/>
-              </a:rPr>
-              <a:t>individuals hypothesis</a:t>
+              <a:t>more individuals hypothesis</a:t>
             </a:r>
             <a:endParaRPr lang="en-US" dirty="0" smtClean="0"/>
           </a:p>
